--- a/Blood4Life/Sprint-2/Diagramas/Diagrama-de-Arquitetura.pptx
+++ b/Blood4Life/Sprint-2/Diagramas/Diagrama-de-Arquitetura.pptx
@@ -5,7 +5,7 @@
     <p:sldMasterId id="2147483672" r:id="rId4"/>
   </p:sldMasterIdLst>
   <p:sldIdLst>
-    <p:sldId id="257" r:id="rId5"/>
+    <p:sldId id="256" r:id="rId5"/>
   </p:sldIdLst>
   <p:sldSz cx="12192000" cy="6858000"/>
   <p:notesSz cx="6858000" cy="9144000"/>
@@ -112,14 +112,120 @@
 </p:presentation>
 </file>
 
-<file path=ppt/revisionInfo.xml><?xml version="1.0" encoding="utf-8"?>
-<p1510:revInfo xmlns:a="http://schemas.openxmlformats.org/drawingml/2006/main" xmlns:r="http://schemas.openxmlformats.org/officeDocument/2006/relationships" xmlns:p1510="http://schemas.microsoft.com/office/powerpoint/2015/10/main">
-  <p1510:revLst>
-    <p1510:client id="{3DFE5285-8544-46A1-A2B8-3144591AB85D}" v="753" dt="2020-10-24T23:29:35.249"/>
-    <p1510:client id="{4D22BDB4-A19E-4F60-A595-D4908A84FF88}" v="161" dt="2020-10-24T23:29:17.588"/>
-    <p1510:client id="{90F78B1A-B518-42A3-B793-F717C1FBBBCD}" v="760" dt="2020-10-25T02:33:18.007"/>
-  </p1510:revLst>
-</p1510:revInfo>
+<file path=ppt/changesInfos/changesInfo1.xml><?xml version="1.0" encoding="utf-8"?>
+<pc:chgInfo xmlns:a="http://schemas.openxmlformats.org/drawingml/2006/main" xmlns:r="http://schemas.openxmlformats.org/officeDocument/2006/relationships" xmlns:ac="http://schemas.microsoft.com/office/drawing/2013/main/command" xmlns:pc="http://schemas.microsoft.com/office/powerpoint/2013/main/command">
+  <pc:docChgLst>
+    <pc:chgData name="Daniel Juncks" userId="0f121773a5ae8ec2" providerId="LiveId" clId="{6886612E-2C28-4C84-B412-90DEF39864E9}"/>
+    <pc:docChg chg="addSld delSld modSld">
+      <pc:chgData name="Daniel Juncks" userId="0f121773a5ae8ec2" providerId="LiveId" clId="{6886612E-2C28-4C84-B412-90DEF39864E9}" dt="2020-12-13T13:49:46.849" v="49" actId="47"/>
+      <pc:docMkLst>
+        <pc:docMk/>
+      </pc:docMkLst>
+      <pc:sldChg chg="add">
+        <pc:chgData name="Daniel Juncks" userId="0f121773a5ae8ec2" providerId="LiveId" clId="{6886612E-2C28-4C84-B412-90DEF39864E9}" dt="2020-12-13T13:49:26.097" v="48" actId="22"/>
+        <pc:sldMkLst>
+          <pc:docMk/>
+          <pc:sldMk cId="109857222" sldId="256"/>
+        </pc:sldMkLst>
+      </pc:sldChg>
+      <pc:sldChg chg="modSp del mod">
+        <pc:chgData name="Daniel Juncks" userId="0f121773a5ae8ec2" providerId="LiveId" clId="{6886612E-2C28-4C84-B412-90DEF39864E9}" dt="2020-12-13T13:49:46.849" v="49" actId="47"/>
+        <pc:sldMkLst>
+          <pc:docMk/>
+          <pc:sldMk cId="416413817" sldId="257"/>
+        </pc:sldMkLst>
+        <pc:spChg chg="mod">
+          <ac:chgData name="Daniel Juncks" userId="0f121773a5ae8ec2" providerId="LiveId" clId="{6886612E-2C28-4C84-B412-90DEF39864E9}" dt="2020-12-13T13:33:29.952" v="37" actId="1076"/>
+          <ac:spMkLst>
+            <pc:docMk/>
+            <pc:sldMk cId="416413817" sldId="257"/>
+            <ac:spMk id="3" creationId="{EE5CA2F7-B56A-4CE6-9616-1A4D6614A4DE}"/>
+          </ac:spMkLst>
+        </pc:spChg>
+        <pc:spChg chg="mod">
+          <ac:chgData name="Daniel Juncks" userId="0f121773a5ae8ec2" providerId="LiveId" clId="{6886612E-2C28-4C84-B412-90DEF39864E9}" dt="2020-12-13T13:34:29.898" v="45" actId="1076"/>
+          <ac:spMkLst>
+            <pc:docMk/>
+            <pc:sldMk cId="416413817" sldId="257"/>
+            <ac:spMk id="5" creationId="{E1127231-9D7F-426C-AC7F-9FCA6B6CE9EB}"/>
+          </ac:spMkLst>
+        </pc:spChg>
+        <pc:spChg chg="mod">
+          <ac:chgData name="Daniel Juncks" userId="0f121773a5ae8ec2" providerId="LiveId" clId="{6886612E-2C28-4C84-B412-90DEF39864E9}" dt="2020-12-13T13:34:38.034" v="46" actId="1076"/>
+          <ac:spMkLst>
+            <pc:docMk/>
+            <pc:sldMk cId="416413817" sldId="257"/>
+            <ac:spMk id="8" creationId="{D5B7E275-C556-486D-9864-8FB946A30670}"/>
+          </ac:spMkLst>
+        </pc:spChg>
+        <pc:spChg chg="mod">
+          <ac:chgData name="Daniel Juncks" userId="0f121773a5ae8ec2" providerId="LiveId" clId="{6886612E-2C28-4C84-B412-90DEF39864E9}" dt="2020-12-13T13:34:23.392" v="44" actId="1076"/>
+          <ac:spMkLst>
+            <pc:docMk/>
+            <pc:sldMk cId="416413817" sldId="257"/>
+            <ac:spMk id="11" creationId="{B64C3C57-5D29-41F3-8793-919059557BEA}"/>
+          </ac:spMkLst>
+        </pc:spChg>
+        <pc:spChg chg="mod">
+          <ac:chgData name="Daniel Juncks" userId="0f121773a5ae8ec2" providerId="LiveId" clId="{6886612E-2C28-4C84-B412-90DEF39864E9}" dt="2020-12-13T13:34:42.245" v="47" actId="1076"/>
+          <ac:spMkLst>
+            <pc:docMk/>
+            <pc:sldMk cId="416413817" sldId="257"/>
+            <ac:spMk id="36" creationId="{07079EDD-A03A-463A-A3A8-63BEB6114A4E}"/>
+          </ac:spMkLst>
+        </pc:spChg>
+        <pc:spChg chg="mod">
+          <ac:chgData name="Daniel Juncks" userId="0f121773a5ae8ec2" providerId="LiveId" clId="{6886612E-2C28-4C84-B412-90DEF39864E9}" dt="2020-12-13T13:33:21.113" v="34" actId="1076"/>
+          <ac:spMkLst>
+            <pc:docMk/>
+            <pc:sldMk cId="416413817" sldId="257"/>
+            <ac:spMk id="72" creationId="{B59B41E6-4B26-4489-882E-5A9BC52DF855}"/>
+          </ac:spMkLst>
+        </pc:spChg>
+        <pc:cxnChg chg="mod">
+          <ac:chgData name="Daniel Juncks" userId="0f121773a5ae8ec2" providerId="LiveId" clId="{6886612E-2C28-4C84-B412-90DEF39864E9}" dt="2020-12-13T13:34:38.034" v="46" actId="1076"/>
+          <ac:cxnSpMkLst>
+            <pc:docMk/>
+            <pc:sldMk cId="416413817" sldId="257"/>
+            <ac:cxnSpMk id="12" creationId="{9FD4755D-8092-478F-A77D-610598E4B0BB}"/>
+          </ac:cxnSpMkLst>
+        </pc:cxnChg>
+        <pc:cxnChg chg="mod">
+          <ac:chgData name="Daniel Juncks" userId="0f121773a5ae8ec2" providerId="LiveId" clId="{6886612E-2C28-4C84-B412-90DEF39864E9}" dt="2020-12-13T13:34:42.245" v="47" actId="1076"/>
+          <ac:cxnSpMkLst>
+            <pc:docMk/>
+            <pc:sldMk cId="416413817" sldId="257"/>
+            <ac:cxnSpMk id="38" creationId="{EFD67E77-DD46-4F99-814E-F43E236BFB22}"/>
+          </ac:cxnSpMkLst>
+        </pc:cxnChg>
+        <pc:cxnChg chg="mod">
+          <ac:chgData name="Daniel Juncks" userId="0f121773a5ae8ec2" providerId="LiveId" clId="{6886612E-2C28-4C84-B412-90DEF39864E9}" dt="2020-12-13T13:34:38.034" v="46" actId="1076"/>
+          <ac:cxnSpMkLst>
+            <pc:docMk/>
+            <pc:sldMk cId="416413817" sldId="257"/>
+            <ac:cxnSpMk id="46" creationId="{BA877B84-7112-4524-B155-146D1029E7B5}"/>
+          </ac:cxnSpMkLst>
+        </pc:cxnChg>
+        <pc:cxnChg chg="mod">
+          <ac:chgData name="Daniel Juncks" userId="0f121773a5ae8ec2" providerId="LiveId" clId="{6886612E-2C28-4C84-B412-90DEF39864E9}" dt="2020-12-13T13:34:42.245" v="47" actId="1076"/>
+          <ac:cxnSpMkLst>
+            <pc:docMk/>
+            <pc:sldMk cId="416413817" sldId="257"/>
+            <ac:cxnSpMk id="51" creationId="{F4E95131-BE78-4D92-AD7C-09625AF48CC0}"/>
+          </ac:cxnSpMkLst>
+        </pc:cxnChg>
+        <pc:cxnChg chg="mod">
+          <ac:chgData name="Daniel Juncks" userId="0f121773a5ae8ec2" providerId="LiveId" clId="{6886612E-2C28-4C84-B412-90DEF39864E9}" dt="2020-12-13T13:34:38.034" v="46" actId="1076"/>
+          <ac:cxnSpMkLst>
+            <pc:docMk/>
+            <pc:sldMk cId="416413817" sldId="257"/>
+            <ac:cxnSpMk id="83" creationId="{9AA639A7-DC25-4369-A9A3-875AC4C4B834}"/>
+          </ac:cxnSpMkLst>
+        </pc:cxnChg>
+      </pc:sldChg>
+    </pc:docChg>
+  </pc:docChgLst>
+</pc:chgInfo>
 </file>
 
 <file path=ppt/slideLayouts/slideLayout1.xml><?xml version="1.0" encoding="utf-8"?>
@@ -251,7 +357,7 @@
           <a:p>
             <a:fld id="{C764DE79-268F-4C1A-8933-263129D2AF90}" type="datetimeFigureOut">
               <a:rPr lang="en-US" dirty="0"/>
-              <a:t>10/24/2020</a:t>
+              <a:t>12/13/2020</a:t>
             </a:fld>
             <a:endParaRPr lang="en-US"/>
           </a:p>
@@ -419,7 +525,7 @@
           <a:p>
             <a:fld id="{C764DE79-268F-4C1A-8933-263129D2AF90}" type="datetimeFigureOut">
               <a:rPr lang="en-US" dirty="0"/>
-              <a:t>10/24/2020</a:t>
+              <a:t>12/13/2020</a:t>
             </a:fld>
             <a:endParaRPr lang="en-US"/>
           </a:p>
@@ -597,7 +703,7 @@
           <a:p>
             <a:fld id="{C764DE79-268F-4C1A-8933-263129D2AF90}" type="datetimeFigureOut">
               <a:rPr lang="en-US" dirty="0"/>
-              <a:t>10/24/2020</a:t>
+              <a:t>12/13/2020</a:t>
             </a:fld>
             <a:endParaRPr lang="en-US"/>
           </a:p>
@@ -765,7 +871,7 @@
           <a:p>
             <a:fld id="{C764DE79-268F-4C1A-8933-263129D2AF90}" type="datetimeFigureOut">
               <a:rPr lang="en-US" dirty="0"/>
-              <a:t>10/24/2020</a:t>
+              <a:t>12/13/2020</a:t>
             </a:fld>
             <a:endParaRPr lang="en-US"/>
           </a:p>
@@ -1010,7 +1116,7 @@
           <a:p>
             <a:fld id="{C764DE79-268F-4C1A-8933-263129D2AF90}" type="datetimeFigureOut">
               <a:rPr lang="en-US" dirty="0"/>
-              <a:t>10/24/2020</a:t>
+              <a:t>12/13/2020</a:t>
             </a:fld>
             <a:endParaRPr lang="en-US"/>
           </a:p>
@@ -1239,7 +1345,7 @@
           <a:p>
             <a:fld id="{C764DE79-268F-4C1A-8933-263129D2AF90}" type="datetimeFigureOut">
               <a:rPr lang="en-US" dirty="0"/>
-              <a:t>10/24/2020</a:t>
+              <a:t>12/13/2020</a:t>
             </a:fld>
             <a:endParaRPr lang="en-US"/>
           </a:p>
@@ -1603,7 +1709,7 @@
           <a:p>
             <a:fld id="{C764DE79-268F-4C1A-8933-263129D2AF90}" type="datetimeFigureOut">
               <a:rPr lang="en-US" dirty="0"/>
-              <a:t>10/24/2020</a:t>
+              <a:t>12/13/2020</a:t>
             </a:fld>
             <a:endParaRPr lang="en-US"/>
           </a:p>
@@ -1720,7 +1826,7 @@
           <a:p>
             <a:fld id="{C764DE79-268F-4C1A-8933-263129D2AF90}" type="datetimeFigureOut">
               <a:rPr lang="en-US" dirty="0"/>
-              <a:t>10/24/2020</a:t>
+              <a:t>12/13/2020</a:t>
             </a:fld>
             <a:endParaRPr lang="en-US"/>
           </a:p>
@@ -1815,7 +1921,7 @@
           <a:p>
             <a:fld id="{C764DE79-268F-4C1A-8933-263129D2AF90}" type="datetimeFigureOut">
               <a:rPr lang="en-US" dirty="0"/>
-              <a:t>10/24/2020</a:t>
+              <a:t>12/13/2020</a:t>
             </a:fld>
             <a:endParaRPr lang="en-US"/>
           </a:p>
@@ -2090,7 +2196,7 @@
           <a:p>
             <a:fld id="{C764DE79-268F-4C1A-8933-263129D2AF90}" type="datetimeFigureOut">
               <a:rPr lang="en-US" dirty="0"/>
-              <a:t>10/24/2020</a:t>
+              <a:t>12/13/2020</a:t>
             </a:fld>
             <a:endParaRPr lang="en-US"/>
           </a:p>
@@ -2342,7 +2448,7 @@
           <a:p>
             <a:fld id="{C764DE79-268F-4C1A-8933-263129D2AF90}" type="datetimeFigureOut">
               <a:rPr lang="en-US" dirty="0"/>
-              <a:t>10/24/2020</a:t>
+              <a:t>12/13/2020</a:t>
             </a:fld>
             <a:endParaRPr lang="en-US"/>
           </a:p>
@@ -2553,7 +2659,7 @@
           <a:p>
             <a:fld id="{C764DE79-268F-4C1A-8933-263129D2AF90}" type="datetimeFigureOut">
               <a:rPr lang="en-US" dirty="0"/>
-              <a:t>10/24/2020</a:t>
+              <a:t>12/13/2020</a:t>
             </a:fld>
             <a:endParaRPr lang="en-US"/>
           </a:p>
@@ -2944,14 +3050,6 @@
 <file path=ppt/slides/slide1.xml><?xml version="1.0" encoding="utf-8"?>
 <p:sld xmlns:a="http://schemas.openxmlformats.org/drawingml/2006/main" xmlns:r="http://schemas.openxmlformats.org/officeDocument/2006/relationships" xmlns:p="http://schemas.openxmlformats.org/presentationml/2006/main">
   <p:cSld>
-    <p:bg>
-      <p:bgPr>
-        <a:solidFill>
-          <a:schemeClr val="bg1"/>
-        </a:solidFill>
-        <a:effectLst/>
-      </p:bgPr>
-    </p:bg>
     <p:spTree>
       <p:nvGrpSpPr>
         <p:cNvPr id="1" name=""/>
@@ -2966,981 +3064,40 @@
           <a:chExt cx="0" cy="0"/>
         </a:xfrm>
       </p:grpSpPr>
-      <p:sp>
-        <p:nvSpPr>
-          <p:cNvPr id="5" name="Retângulo 4">
+      <p:pic>
+        <p:nvPicPr>
+          <p:cNvPr id="4" name="Picture 4">
             <a:extLst>
               <a:ext uri="{FF2B5EF4-FFF2-40B4-BE49-F238E27FC236}">
-                <a16:creationId xmlns:a16="http://schemas.microsoft.com/office/drawing/2014/main" id="{E1127231-9D7F-426C-AC7F-9FCA6B6CE9EB}"/>
+                <a16:creationId xmlns:a16="http://schemas.microsoft.com/office/drawing/2014/main" id="{1768160C-5EA2-42C4-902A-FEA0D3DCD0B6}"/>
               </a:ext>
             </a:extLst>
           </p:cNvPr>
-          <p:cNvSpPr/>
+          <p:cNvPicPr>
+            <a:picLocks noChangeAspect="1"/>
+          </p:cNvPicPr>
           <p:nvPr/>
-        </p:nvSpPr>
+        </p:nvPicPr>
+        <p:blipFill>
+          <a:blip r:embed="rId2"/>
+          <a:stretch>
+            <a:fillRect/>
+          </a:stretch>
+        </p:blipFill>
         <p:spPr>
           <a:xfrm>
-            <a:off x="9193109" y="2623469"/>
-            <a:ext cx="2243798" cy="1940400"/>
+            <a:off x="817419" y="351760"/>
+            <a:ext cx="10432471" cy="6154479"/>
           </a:xfrm>
           <a:prstGeom prst="rect">
             <a:avLst/>
           </a:prstGeom>
-          <a:solidFill>
-            <a:srgbClr val="5580CB"/>
-          </a:solidFill>
-          <a:ln>
-            <a:solidFill>
-              <a:schemeClr val="tx1"/>
-            </a:solidFill>
-          </a:ln>
         </p:spPr>
-        <p:style>
-          <a:lnRef idx="2">
-            <a:schemeClr val="accent6"/>
-          </a:lnRef>
-          <a:fillRef idx="1">
-            <a:schemeClr val="lt1"/>
-          </a:fillRef>
-          <a:effectRef idx="0">
-            <a:schemeClr val="accent6"/>
-          </a:effectRef>
-          <a:fontRef idx="minor">
-            <a:schemeClr val="dk1"/>
-          </a:fontRef>
-        </p:style>
-        <p:txBody>
-          <a:bodyPr lIns="91440" tIns="45720" rIns="91440" bIns="45720" rtlCol="0" anchor="ctr"/>
-          <a:lstStyle/>
-          <a:p>
-            <a:pPr algn="ctr">
-              <a:defRPr/>
-            </a:pPr>
-            <a:r>
-              <a:rPr lang="pt-BR" b="1" dirty="0">
-                <a:solidFill>
-                  <a:schemeClr val="bg1"/>
-                </a:solidFill>
-              </a:rPr>
-              <a:t>API Google Maps</a:t>
-            </a:r>
-            <a:endParaRPr lang="pt-BR" b="1" dirty="0">
-              <a:solidFill>
-                <a:schemeClr val="bg1"/>
-              </a:solidFill>
-              <a:cs typeface="Calibri"/>
-            </a:endParaRPr>
-          </a:p>
-          <a:p>
-            <a:pPr algn="ctr">
-              <a:defRPr/>
-            </a:pPr>
-            <a:r>
-              <a:rPr lang="pt-BR" sz="1400" dirty="0">
-                <a:solidFill>
-                  <a:schemeClr val="bg1"/>
-                </a:solidFill>
-              </a:rPr>
-              <a:t>[Container: API do Google Maps]</a:t>
-            </a:r>
-            <a:endParaRPr lang="pt-BR" sz="1400" dirty="0">
-              <a:solidFill>
-                <a:schemeClr val="bg1"/>
-              </a:solidFill>
-              <a:cs typeface="Calibri"/>
-            </a:endParaRPr>
-          </a:p>
-          <a:p>
-            <a:pPr algn="ctr">
-              <a:defRPr/>
-            </a:pPr>
-            <a:endParaRPr lang="pt-BR" sz="1400" dirty="0">
-              <a:solidFill>
-                <a:schemeClr val="bg1"/>
-              </a:solidFill>
-              <a:cs typeface="Calibri"/>
-            </a:endParaRPr>
-          </a:p>
-          <a:p>
-            <a:pPr algn="ctr">
-              <a:defRPr/>
-            </a:pPr>
-            <a:r>
-              <a:rPr lang="pt-BR" sz="1400" dirty="0">
-                <a:solidFill>
-                  <a:schemeClr val="bg1"/>
-                </a:solidFill>
-                <a:cs typeface="Calibri"/>
-              </a:rPr>
-              <a:t>API para mostrar a localização dos Hospitais</a:t>
-            </a:r>
-          </a:p>
-        </p:txBody>
-      </p:sp>
-      <p:sp>
-        <p:nvSpPr>
-          <p:cNvPr id="8" name="Retângulo 7">
-            <a:extLst>
-              <a:ext uri="{FF2B5EF4-FFF2-40B4-BE49-F238E27FC236}">
-                <a16:creationId xmlns:a16="http://schemas.microsoft.com/office/drawing/2014/main" id="{D5B7E275-C556-486D-9864-8FB946A30670}"/>
-              </a:ext>
-            </a:extLst>
-          </p:cNvPr>
-          <p:cNvSpPr/>
-          <p:nvPr/>
-        </p:nvSpPr>
-        <p:spPr>
-          <a:xfrm>
-            <a:off x="4606856" y="867545"/>
-            <a:ext cx="2237585" cy="1942455"/>
-          </a:xfrm>
-          <a:prstGeom prst="rect">
-            <a:avLst/>
-          </a:prstGeom>
-          <a:solidFill>
-            <a:srgbClr val="5580CB"/>
-          </a:solidFill>
-          <a:ln>
-            <a:solidFill>
-              <a:schemeClr val="tx1"/>
-            </a:solidFill>
-          </a:ln>
-        </p:spPr>
-        <p:style>
-          <a:lnRef idx="2">
-            <a:schemeClr val="accent6"/>
-          </a:lnRef>
-          <a:fillRef idx="1">
-            <a:schemeClr val="lt1"/>
-          </a:fillRef>
-          <a:effectRef idx="0">
-            <a:schemeClr val="accent6"/>
-          </a:effectRef>
-          <a:fontRef idx="minor">
-            <a:schemeClr val="dk1"/>
-          </a:fontRef>
-        </p:style>
-        <p:txBody>
-          <a:bodyPr lIns="91440" tIns="45720" rIns="91440" bIns="45720" rtlCol="0" anchor="ctr"/>
-          <a:lstStyle/>
-          <a:p>
-            <a:pPr algn="ctr">
-              <a:defRPr/>
-            </a:pPr>
-            <a:r>
-              <a:rPr lang="pt-BR" b="1" dirty="0">
-                <a:solidFill>
-                  <a:schemeClr val="bg1"/>
-                </a:solidFill>
-              </a:rPr>
-              <a:t>Microservice </a:t>
-            </a:r>
-            <a:endParaRPr lang="pt-BR" b="1" dirty="0">
-              <a:solidFill>
-                <a:schemeClr val="bg1"/>
-              </a:solidFill>
-              <a:cs typeface="Calibri"/>
-            </a:endParaRPr>
-          </a:p>
-          <a:p>
-            <a:pPr algn="ctr">
-              <a:defRPr/>
-            </a:pPr>
-            <a:r>
-              <a:rPr lang="pt-BR" sz="1400" dirty="0">
-                <a:solidFill>
-                  <a:schemeClr val="bg1"/>
-                </a:solidFill>
-              </a:rPr>
-              <a:t>[Container: Spring Boot]</a:t>
-            </a:r>
-            <a:endParaRPr lang="pt-BR" sz="1400" dirty="0">
-              <a:solidFill>
-                <a:schemeClr val="bg1"/>
-              </a:solidFill>
-              <a:cs typeface="Calibri"/>
-            </a:endParaRPr>
-          </a:p>
-          <a:p>
-            <a:pPr algn="ctr">
-              <a:defRPr/>
-            </a:pPr>
-            <a:endParaRPr lang="pt-BR" sz="1400" dirty="0">
-              <a:solidFill>
-                <a:schemeClr val="bg1"/>
-              </a:solidFill>
-              <a:cs typeface="Calibri"/>
-            </a:endParaRPr>
-          </a:p>
-          <a:p>
-            <a:pPr algn="ctr">
-              <a:defRPr/>
-            </a:pPr>
-            <a:r>
-              <a:rPr lang="pt-BR" sz="1400" dirty="0">
-                <a:solidFill>
-                  <a:schemeClr val="bg1"/>
-                </a:solidFill>
-                <a:cs typeface="Calibri"/>
-              </a:rPr>
-              <a:t>Back-End da solução</a:t>
-            </a:r>
-          </a:p>
-        </p:txBody>
-      </p:sp>
-      <p:sp>
-        <p:nvSpPr>
-          <p:cNvPr id="30" name="CaixaDeTexto 29">
-            <a:extLst>
-              <a:ext uri="{FF2B5EF4-FFF2-40B4-BE49-F238E27FC236}">
-                <a16:creationId xmlns:a16="http://schemas.microsoft.com/office/drawing/2014/main" id="{9054A7FA-DD89-4529-B8FB-B451A062E825}"/>
-              </a:ext>
-            </a:extLst>
-          </p:cNvPr>
-          <p:cNvSpPr txBox="1"/>
-          <p:nvPr/>
-        </p:nvSpPr>
-        <p:spPr>
-          <a:xfrm>
-            <a:off x="369507" y="169756"/>
-            <a:ext cx="6386358" cy="369332"/>
-          </a:xfrm>
-          <a:prstGeom prst="rect">
-            <a:avLst/>
-          </a:prstGeom>
-          <a:noFill/>
-        </p:spPr>
-        <p:txBody>
-          <a:bodyPr wrap="square" lIns="91440" tIns="45720" rIns="91440" bIns="45720" rtlCol="0" anchor="t">
-            <a:spAutoFit/>
-          </a:bodyPr>
-          <a:lstStyle/>
-          <a:p>
-            <a:r>
-              <a:rPr lang="pt-BR" b="1">
-                <a:solidFill>
-                  <a:srgbClr val="00B0F0"/>
-                </a:solidFill>
-              </a:rPr>
-              <a:t>Azure (Nuvem) </a:t>
-            </a:r>
-            <a:r>
-              <a:rPr lang="pt-BR" b="1"/>
-              <a:t>Servidor que a aplicação está rodando</a:t>
-            </a:r>
-            <a:endParaRPr lang="pt-BR"/>
-          </a:p>
-        </p:txBody>
-      </p:sp>
-      <p:sp>
-        <p:nvSpPr>
-          <p:cNvPr id="36" name="Retângulo 35">
-            <a:extLst>
-              <a:ext uri="{FF2B5EF4-FFF2-40B4-BE49-F238E27FC236}">
-                <a16:creationId xmlns:a16="http://schemas.microsoft.com/office/drawing/2014/main" id="{07079EDD-A03A-463A-A3A8-63BEB6114A4E}"/>
-              </a:ext>
-            </a:extLst>
-          </p:cNvPr>
-          <p:cNvSpPr/>
-          <p:nvPr/>
-        </p:nvSpPr>
-        <p:spPr>
-          <a:xfrm>
-            <a:off x="9193109" y="518449"/>
-            <a:ext cx="2243798" cy="1940516"/>
-          </a:xfrm>
-          <a:prstGeom prst="rect">
-            <a:avLst/>
-          </a:prstGeom>
-          <a:solidFill>
-            <a:srgbClr val="5580CB"/>
-          </a:solidFill>
-          <a:ln>
-            <a:solidFill>
-              <a:schemeClr val="tx1"/>
-            </a:solidFill>
-          </a:ln>
-        </p:spPr>
-        <p:style>
-          <a:lnRef idx="2">
-            <a:schemeClr val="accent6"/>
-          </a:lnRef>
-          <a:fillRef idx="1">
-            <a:schemeClr val="lt1"/>
-          </a:fillRef>
-          <a:effectRef idx="0">
-            <a:schemeClr val="accent6"/>
-          </a:effectRef>
-          <a:fontRef idx="minor">
-            <a:schemeClr val="dk1"/>
-          </a:fontRef>
-        </p:style>
-        <p:txBody>
-          <a:bodyPr lIns="91440" tIns="45720" rIns="91440" bIns="45720" rtlCol="0" anchor="ctr"/>
-          <a:lstStyle/>
-          <a:p>
-            <a:pPr algn="ctr">
-              <a:defRPr/>
-            </a:pPr>
-            <a:r>
-              <a:rPr lang="pt-BR" b="1" dirty="0">
-                <a:solidFill>
-                  <a:srgbClr val="FFFFFF"/>
-                </a:solidFill>
-              </a:rPr>
-              <a:t>Client-Side</a:t>
-            </a:r>
-            <a:r>
-              <a:rPr lang="pt-BR" b="1" u="sng" dirty="0">
-                <a:solidFill>
-                  <a:srgbClr val="FFFFFF"/>
-                </a:solidFill>
-              </a:rPr>
-              <a:t> </a:t>
-            </a:r>
-            <a:r>
-              <a:rPr lang="pt-BR" b="1" dirty="0">
-                <a:solidFill>
-                  <a:srgbClr val="FFFFFF"/>
-                </a:solidFill>
-              </a:rPr>
-              <a:t>Web</a:t>
-            </a:r>
-            <a:r>
-              <a:rPr lang="pt-BR" b="1" u="sng" dirty="0">
-                <a:solidFill>
-                  <a:srgbClr val="FFFFFF"/>
-                </a:solidFill>
-              </a:rPr>
-              <a:t> </a:t>
-            </a:r>
-            <a:r>
-              <a:rPr lang="pt-BR" b="1" dirty="0">
-                <a:solidFill>
-                  <a:srgbClr val="FFFFFF"/>
-                </a:solidFill>
-              </a:rPr>
-              <a:t>Application</a:t>
-            </a:r>
-          </a:p>
-          <a:p>
-            <a:pPr algn="ctr">
-              <a:defRPr/>
-            </a:pPr>
-            <a:r>
-              <a:rPr lang="pt-BR" sz="1400" dirty="0">
-                <a:solidFill>
-                  <a:srgbClr val="FFFFFF"/>
-                </a:solidFill>
-              </a:rPr>
-              <a:t>[Container: ReactJS + Chart.js] </a:t>
-            </a:r>
-          </a:p>
-          <a:p>
-            <a:pPr algn="ctr">
-              <a:defRPr/>
-            </a:pPr>
-            <a:endParaRPr lang="pt-BR" sz="1400" u="sng" dirty="0">
-              <a:solidFill>
-                <a:srgbClr val="FFFFFF"/>
-              </a:solidFill>
-              <a:cs typeface="Calibri"/>
-            </a:endParaRPr>
-          </a:p>
-          <a:p>
-            <a:pPr algn="ctr">
-              <a:defRPr/>
-            </a:pPr>
-            <a:r>
-              <a:rPr lang="pt-BR" sz="1400" dirty="0">
-                <a:solidFill>
-                  <a:srgbClr val="FFFFFF"/>
-                </a:solidFill>
-                <a:cs typeface="Calibri"/>
-              </a:rPr>
-              <a:t>Aplicação de cadastros e visualização das dashboards dos Hospitais</a:t>
-            </a:r>
-          </a:p>
-        </p:txBody>
-      </p:sp>
-      <p:cxnSp>
-        <p:nvCxnSpPr>
-          <p:cNvPr id="38" name="Conector de Seta Reta 37">
-            <a:extLst>
-              <a:ext uri="{FF2B5EF4-FFF2-40B4-BE49-F238E27FC236}">
-                <a16:creationId xmlns:a16="http://schemas.microsoft.com/office/drawing/2014/main" id="{EFD67E77-DD46-4F99-814E-F43E236BFB22}"/>
-              </a:ext>
-            </a:extLst>
-          </p:cNvPr>
-          <p:cNvCxnSpPr>
-            <a:cxnSpLocks/>
-            <a:endCxn id="8" idx="3"/>
-          </p:cNvCxnSpPr>
-          <p:nvPr/>
-        </p:nvCxnSpPr>
-        <p:spPr>
-          <a:xfrm flipH="1">
-            <a:off x="6844441" y="1561377"/>
-            <a:ext cx="2328616" cy="277396"/>
-          </a:xfrm>
-          <a:prstGeom prst="straightConnector1">
-            <a:avLst/>
-          </a:prstGeom>
-          <a:ln>
-            <a:tailEnd type="triangle"/>
-          </a:ln>
-        </p:spPr>
-        <p:style>
-          <a:lnRef idx="1">
-            <a:schemeClr val="dk1"/>
-          </a:lnRef>
-          <a:fillRef idx="0">
-            <a:schemeClr val="dk1"/>
-          </a:fillRef>
-          <a:effectRef idx="0">
-            <a:schemeClr val="dk1"/>
-          </a:effectRef>
-          <a:fontRef idx="minor">
-            <a:schemeClr val="tx1"/>
-          </a:fontRef>
-        </p:style>
-      </p:cxnSp>
-      <p:cxnSp>
-        <p:nvCxnSpPr>
-          <p:cNvPr id="46" name="Conector de Seta Reta 45">
-            <a:extLst>
-              <a:ext uri="{FF2B5EF4-FFF2-40B4-BE49-F238E27FC236}">
-                <a16:creationId xmlns:a16="http://schemas.microsoft.com/office/drawing/2014/main" id="{BA877B84-7112-4524-B155-146D1029E7B5}"/>
-              </a:ext>
-            </a:extLst>
-          </p:cNvPr>
-          <p:cNvCxnSpPr>
-            <a:cxnSpLocks/>
-            <a:stCxn id="8" idx="1"/>
-          </p:cNvCxnSpPr>
-          <p:nvPr/>
-        </p:nvCxnSpPr>
-        <p:spPr>
-          <a:xfrm flipH="1">
-            <a:off x="2618566" y="1838773"/>
-            <a:ext cx="1988290" cy="0"/>
-          </a:xfrm>
-          <a:prstGeom prst="straightConnector1">
-            <a:avLst/>
-          </a:prstGeom>
-          <a:ln>
-            <a:tailEnd type="triangle"/>
-          </a:ln>
-        </p:spPr>
-        <p:style>
-          <a:lnRef idx="1">
-            <a:schemeClr val="dk1"/>
-          </a:lnRef>
-          <a:fillRef idx="0">
-            <a:schemeClr val="dk1"/>
-          </a:fillRef>
-          <a:effectRef idx="0">
-            <a:schemeClr val="dk1"/>
-          </a:effectRef>
-          <a:fontRef idx="minor">
-            <a:schemeClr val="tx1"/>
-          </a:fontRef>
-        </p:style>
-      </p:cxnSp>
-      <p:cxnSp>
-        <p:nvCxnSpPr>
-          <p:cNvPr id="51" name="Conector de Seta Reta 50">
-            <a:extLst>
-              <a:ext uri="{FF2B5EF4-FFF2-40B4-BE49-F238E27FC236}">
-                <a16:creationId xmlns:a16="http://schemas.microsoft.com/office/drawing/2014/main" id="{F4E95131-BE78-4D92-AD7C-09625AF48CC0}"/>
-              </a:ext>
-            </a:extLst>
-          </p:cNvPr>
-          <p:cNvCxnSpPr>
-            <a:cxnSpLocks/>
-            <a:stCxn id="8" idx="3"/>
-            <a:endCxn id="5" idx="1"/>
-          </p:cNvCxnSpPr>
-          <p:nvPr/>
-        </p:nvCxnSpPr>
-        <p:spPr>
-          <a:xfrm>
-            <a:off x="6844441" y="1838773"/>
-            <a:ext cx="2348668" cy="1754896"/>
-          </a:xfrm>
-          <a:prstGeom prst="straightConnector1">
-            <a:avLst/>
-          </a:prstGeom>
-          <a:ln>
-            <a:tailEnd type="triangle"/>
-          </a:ln>
-        </p:spPr>
-        <p:style>
-          <a:lnRef idx="1">
-            <a:schemeClr val="dk1"/>
-          </a:lnRef>
-          <a:fillRef idx="0">
-            <a:schemeClr val="dk1"/>
-          </a:fillRef>
-          <a:effectRef idx="0">
-            <a:schemeClr val="dk1"/>
-          </a:effectRef>
-          <a:fontRef idx="minor">
-            <a:schemeClr val="tx1"/>
-          </a:fontRef>
-        </p:style>
-      </p:cxnSp>
-      <p:sp>
-        <p:nvSpPr>
-          <p:cNvPr id="72" name="Retângulo 71">
-            <a:extLst>
-              <a:ext uri="{FF2B5EF4-FFF2-40B4-BE49-F238E27FC236}">
-                <a16:creationId xmlns:a16="http://schemas.microsoft.com/office/drawing/2014/main" id="{B59B41E6-4B26-4489-882E-5A9BC52DF855}"/>
-              </a:ext>
-            </a:extLst>
-          </p:cNvPr>
-          <p:cNvSpPr/>
-          <p:nvPr/>
-        </p:nvSpPr>
-        <p:spPr>
-          <a:xfrm>
-            <a:off x="4608713" y="4582445"/>
-            <a:ext cx="2235728" cy="1940400"/>
-          </a:xfrm>
-          <a:prstGeom prst="rect">
-            <a:avLst/>
-          </a:prstGeom>
-          <a:solidFill>
-            <a:srgbClr val="5580CB"/>
-          </a:solidFill>
-          <a:ln>
-            <a:solidFill>
-              <a:schemeClr val="tx1"/>
-            </a:solidFill>
-          </a:ln>
-        </p:spPr>
-        <p:style>
-          <a:lnRef idx="2">
-            <a:schemeClr val="accent6"/>
-          </a:lnRef>
-          <a:fillRef idx="1">
-            <a:schemeClr val="lt1"/>
-          </a:fillRef>
-          <a:effectRef idx="0">
-            <a:schemeClr val="accent6"/>
-          </a:effectRef>
-          <a:fontRef idx="minor">
-            <a:schemeClr val="dk1"/>
-          </a:fontRef>
-        </p:style>
-        <p:txBody>
-          <a:bodyPr lIns="91440" tIns="45720" rIns="91440" bIns="45720" rtlCol="0" anchor="ctr"/>
-          <a:lstStyle/>
-          <a:p>
-            <a:pPr lvl="0" algn="ctr">
-              <a:defRPr/>
-            </a:pPr>
-            <a:r>
-              <a:rPr lang="pt-BR" b="1" dirty="0">
-                <a:solidFill>
-                  <a:srgbClr val="FFFFFF"/>
-                </a:solidFill>
-              </a:rPr>
-              <a:t>MobileApp</a:t>
-            </a:r>
-            <a:endParaRPr lang="pt-BR" b="1" dirty="0">
-              <a:solidFill>
-                <a:srgbClr val="FFFFFF"/>
-              </a:solidFill>
-              <a:cs typeface="Calibri"/>
-            </a:endParaRPr>
-          </a:p>
-          <a:p>
-            <a:pPr algn="ctr">
-              <a:defRPr/>
-            </a:pPr>
-            <a:r>
-              <a:rPr lang="pt-BR" sz="1400" dirty="0">
-                <a:solidFill>
-                  <a:srgbClr val="FFFFFF"/>
-                </a:solidFill>
-              </a:rPr>
-              <a:t>[Container: Kotlin ] </a:t>
-            </a:r>
-            <a:endParaRPr lang="pt-BR" sz="1400" dirty="0">
-              <a:solidFill>
-                <a:srgbClr val="FFFFFF"/>
-              </a:solidFill>
-              <a:cs typeface="Calibri"/>
-            </a:endParaRPr>
-          </a:p>
-          <a:p>
-            <a:pPr algn="ctr">
-              <a:defRPr/>
-            </a:pPr>
-            <a:endParaRPr lang="pt-BR" sz="1400" dirty="0">
-              <a:solidFill>
-                <a:srgbClr val="FFFFFF"/>
-              </a:solidFill>
-              <a:cs typeface="Calibri"/>
-            </a:endParaRPr>
-          </a:p>
-          <a:p>
-            <a:pPr algn="ctr">
-              <a:defRPr/>
-            </a:pPr>
-            <a:r>
-              <a:rPr lang="pt-BR" sz="1400" dirty="0">
-                <a:solidFill>
-                  <a:srgbClr val="FFFFFF"/>
-                </a:solidFill>
-                <a:cs typeface="Calibri"/>
-              </a:rPr>
-              <a:t>Aplicativo de visualização de dashboards</a:t>
-            </a:r>
-          </a:p>
-        </p:txBody>
-      </p:sp>
-      <p:cxnSp>
-        <p:nvCxnSpPr>
-          <p:cNvPr id="83" name="Conector de Seta Reta 82">
-            <a:extLst>
-              <a:ext uri="{FF2B5EF4-FFF2-40B4-BE49-F238E27FC236}">
-                <a16:creationId xmlns:a16="http://schemas.microsoft.com/office/drawing/2014/main" id="{9AA639A7-DC25-4369-A9A3-875AC4C4B834}"/>
-              </a:ext>
-            </a:extLst>
-          </p:cNvPr>
-          <p:cNvCxnSpPr>
-            <a:cxnSpLocks/>
-            <a:stCxn id="72" idx="0"/>
-            <a:endCxn id="8" idx="2"/>
-          </p:cNvCxnSpPr>
-          <p:nvPr/>
-        </p:nvCxnSpPr>
-        <p:spPr>
-          <a:xfrm flipH="1" flipV="1">
-            <a:off x="5725649" y="2810000"/>
-            <a:ext cx="928" cy="1772445"/>
-          </a:xfrm>
-          <a:prstGeom prst="straightConnector1">
-            <a:avLst/>
-          </a:prstGeom>
-          <a:ln>
-            <a:tailEnd type="triangle"/>
-          </a:ln>
-        </p:spPr>
-        <p:style>
-          <a:lnRef idx="1">
-            <a:schemeClr val="dk1"/>
-          </a:lnRef>
-          <a:fillRef idx="0">
-            <a:schemeClr val="dk1"/>
-          </a:fillRef>
-          <a:effectRef idx="0">
-            <a:schemeClr val="dk1"/>
-          </a:effectRef>
-          <a:fontRef idx="minor">
-            <a:schemeClr val="tx1"/>
-          </a:fontRef>
-        </p:style>
-      </p:cxnSp>
-      <p:sp>
-        <p:nvSpPr>
-          <p:cNvPr id="11" name="Retângulo 10">
-            <a:extLst>
-              <a:ext uri="{FF2B5EF4-FFF2-40B4-BE49-F238E27FC236}">
-                <a16:creationId xmlns:a16="http://schemas.microsoft.com/office/drawing/2014/main" id="{B64C3C57-5D29-41F3-8793-919059557BEA}"/>
-              </a:ext>
-            </a:extLst>
-          </p:cNvPr>
-          <p:cNvSpPr/>
-          <p:nvPr/>
-        </p:nvSpPr>
-        <p:spPr>
-          <a:xfrm>
-            <a:off x="9217689" y="4755234"/>
-            <a:ext cx="2243798" cy="1932430"/>
-          </a:xfrm>
-          <a:prstGeom prst="rect">
-            <a:avLst/>
-          </a:prstGeom>
-          <a:solidFill>
-            <a:srgbClr val="5580CB"/>
-          </a:solidFill>
-          <a:ln>
-            <a:solidFill>
-              <a:schemeClr val="tx1"/>
-            </a:solidFill>
-          </a:ln>
-        </p:spPr>
-        <p:style>
-          <a:lnRef idx="2">
-            <a:schemeClr val="accent6"/>
-          </a:lnRef>
-          <a:fillRef idx="1">
-            <a:schemeClr val="lt1"/>
-          </a:fillRef>
-          <a:effectRef idx="0">
-            <a:schemeClr val="accent6"/>
-          </a:effectRef>
-          <a:fontRef idx="minor">
-            <a:schemeClr val="dk1"/>
-          </a:fontRef>
-        </p:style>
-        <p:txBody>
-          <a:bodyPr lIns="91440" tIns="45720" rIns="91440" bIns="45720" rtlCol="0" anchor="ctr"/>
-          <a:lstStyle/>
-          <a:p>
-            <a:pPr algn="ctr">
-              <a:defRPr/>
-            </a:pPr>
-            <a:r>
-              <a:rPr lang="pt-BR" b="1" dirty="0">
-                <a:solidFill>
-                  <a:srgbClr val="FFFFFF"/>
-                </a:solidFill>
-              </a:rPr>
-              <a:t>API E-mail</a:t>
-            </a:r>
-            <a:endParaRPr lang="pt-BR" b="1" dirty="0">
-              <a:solidFill>
-                <a:srgbClr val="FFFFFF"/>
-              </a:solidFill>
-              <a:cs typeface="Calibri"/>
-            </a:endParaRPr>
-          </a:p>
-          <a:p>
-            <a:pPr algn="ctr">
-              <a:defRPr/>
-            </a:pPr>
-            <a:r>
-              <a:rPr lang="pt-BR" sz="1400" dirty="0">
-                <a:solidFill>
-                  <a:srgbClr val="FFFFFF"/>
-                </a:solidFill>
-              </a:rPr>
-              <a:t>[Container: JavaMail ] </a:t>
-            </a:r>
-          </a:p>
-          <a:p>
-            <a:pPr algn="ctr">
-              <a:defRPr/>
-            </a:pPr>
-            <a:endParaRPr lang="pt-BR" sz="1400" dirty="0">
-              <a:solidFill>
-                <a:srgbClr val="FFFFFF"/>
-              </a:solidFill>
-              <a:cs typeface="Calibri"/>
-            </a:endParaRPr>
-          </a:p>
-          <a:p>
-            <a:pPr algn="ctr">
-              <a:defRPr/>
-            </a:pPr>
-            <a:r>
-              <a:rPr lang="pt-BR" sz="1400" dirty="0">
-                <a:solidFill>
-                  <a:srgbClr val="FFFFFF"/>
-                </a:solidFill>
-                <a:cs typeface="Calibri"/>
-              </a:rPr>
-              <a:t>API para envio de e-mails</a:t>
-            </a:r>
-          </a:p>
-        </p:txBody>
-      </p:sp>
-      <p:cxnSp>
-        <p:nvCxnSpPr>
-          <p:cNvPr id="12" name="Conector de Seta Reta 11">
-            <a:extLst>
-              <a:ext uri="{FF2B5EF4-FFF2-40B4-BE49-F238E27FC236}">
-                <a16:creationId xmlns:a16="http://schemas.microsoft.com/office/drawing/2014/main" id="{9FD4755D-8092-478F-A77D-610598E4B0BB}"/>
-              </a:ext>
-            </a:extLst>
-          </p:cNvPr>
-          <p:cNvCxnSpPr>
-            <a:cxnSpLocks/>
-            <a:stCxn id="8" idx="2"/>
-          </p:cNvCxnSpPr>
-          <p:nvPr/>
-        </p:nvCxnSpPr>
-        <p:spPr>
-          <a:xfrm>
-            <a:off x="5725649" y="2810000"/>
-            <a:ext cx="3496698" cy="2695776"/>
-          </a:xfrm>
-          <a:prstGeom prst="straightConnector1">
-            <a:avLst/>
-          </a:prstGeom>
-          <a:ln>
-            <a:tailEnd type="triangle"/>
-          </a:ln>
-        </p:spPr>
-        <p:style>
-          <a:lnRef idx="1">
-            <a:schemeClr val="dk1"/>
-          </a:lnRef>
-          <a:fillRef idx="0">
-            <a:schemeClr val="dk1"/>
-          </a:fillRef>
-          <a:effectRef idx="0">
-            <a:schemeClr val="dk1"/>
-          </a:effectRef>
-          <a:fontRef idx="minor">
-            <a:schemeClr val="tx1"/>
-          </a:fontRef>
-        </p:style>
-      </p:cxnSp>
-      <p:sp>
-        <p:nvSpPr>
-          <p:cNvPr id="3" name="Cilindro 2">
-            <a:extLst>
-              <a:ext uri="{FF2B5EF4-FFF2-40B4-BE49-F238E27FC236}">
-                <a16:creationId xmlns:a16="http://schemas.microsoft.com/office/drawing/2014/main" id="{EE5CA2F7-B56A-4CE6-9616-1A4D6614A4DE}"/>
-              </a:ext>
-            </a:extLst>
-          </p:cNvPr>
-          <p:cNvSpPr/>
-          <p:nvPr/>
-        </p:nvSpPr>
-        <p:spPr>
-          <a:xfrm>
-            <a:off x="363596" y="865115"/>
-            <a:ext cx="2266141" cy="2428577"/>
-          </a:xfrm>
-          <a:prstGeom prst="can">
-            <a:avLst/>
-          </a:prstGeom>
-          <a:ln>
-            <a:solidFill>
-              <a:schemeClr val="tx1"/>
-            </a:solidFill>
-          </a:ln>
-        </p:spPr>
-        <p:style>
-          <a:lnRef idx="2">
-            <a:schemeClr val="accent5">
-              <a:shade val="50000"/>
-            </a:schemeClr>
-          </a:lnRef>
-          <a:fillRef idx="1">
-            <a:schemeClr val="accent5"/>
-          </a:fillRef>
-          <a:effectRef idx="0">
-            <a:schemeClr val="accent5"/>
-          </a:effectRef>
-          <a:fontRef idx="minor">
-            <a:schemeClr val="lt1"/>
-          </a:fontRef>
-        </p:style>
-        <p:txBody>
-          <a:bodyPr lIns="91440" tIns="45720" rIns="91440" bIns="45720" rtlCol="0" anchor="ctr"/>
-          <a:lstStyle/>
-          <a:p>
-            <a:pPr algn="r"/>
-            <a:endParaRPr lang="pt-BR" dirty="0">
-              <a:cs typeface="Calibri"/>
-            </a:endParaRPr>
-          </a:p>
-          <a:p>
-            <a:pPr algn="r"/>
-            <a:endParaRPr lang="pt-BR" dirty="0">
-              <a:cs typeface="Calibri"/>
-            </a:endParaRPr>
-          </a:p>
-        </p:txBody>
-      </p:sp>
-      <p:sp>
-        <p:nvSpPr>
-          <p:cNvPr id="7" name="CaixaDeTexto 6">
-            <a:extLst>
-              <a:ext uri="{FF2B5EF4-FFF2-40B4-BE49-F238E27FC236}">
-                <a16:creationId xmlns:a16="http://schemas.microsoft.com/office/drawing/2014/main" id="{6DE3BB46-5E1C-435B-B6C5-E213E9F11BC4}"/>
-              </a:ext>
-            </a:extLst>
-          </p:cNvPr>
-          <p:cNvSpPr txBox="1"/>
-          <p:nvPr/>
-        </p:nvSpPr>
-        <p:spPr>
-          <a:xfrm>
-            <a:off x="444200" y="1494627"/>
-            <a:ext cx="2143142" cy="1661993"/>
-          </a:xfrm>
-          <a:prstGeom prst="rect">
-            <a:avLst/>
-          </a:prstGeom>
-          <a:noFill/>
-        </p:spPr>
-        <p:txBody>
-          <a:bodyPr wrap="square" lIns="91440" tIns="45720" rIns="91440" bIns="45720" rtlCol="0" anchor="t">
-            <a:spAutoFit/>
-          </a:bodyPr>
-          <a:lstStyle/>
-          <a:p>
-            <a:r>
-              <a:rPr lang="pt-BR" b="1" dirty="0">
-                <a:solidFill>
-                  <a:schemeClr val="bg1"/>
-                </a:solidFill>
-              </a:rPr>
-              <a:t>Database</a:t>
-            </a:r>
-            <a:r>
-              <a:rPr lang="pt-BR" sz="1400" dirty="0">
-                <a:solidFill>
-                  <a:schemeClr val="bg1"/>
-                </a:solidFill>
-              </a:rPr>
-              <a:t> </a:t>
-            </a:r>
-          </a:p>
-          <a:p>
-            <a:r>
-              <a:rPr lang="pt-BR" sz="1400" dirty="0">
-                <a:solidFill>
-                  <a:schemeClr val="bg1"/>
-                </a:solidFill>
-              </a:rPr>
-              <a:t>[Container: SQL Server ]</a:t>
-            </a:r>
-            <a:endParaRPr lang="pt-BR" sz="1400" dirty="0">
-              <a:solidFill>
-                <a:schemeClr val="bg1"/>
-              </a:solidFill>
-              <a:cs typeface="Calibri"/>
-            </a:endParaRPr>
-          </a:p>
-          <a:p>
-            <a:endParaRPr lang="pt-BR" sz="1400" dirty="0">
-              <a:solidFill>
-                <a:schemeClr val="bg1"/>
-              </a:solidFill>
-            </a:endParaRPr>
-          </a:p>
-          <a:p>
-            <a:pPr algn="ctr"/>
-            <a:r>
-              <a:rPr lang="pt-BR" sz="1400" dirty="0">
-                <a:solidFill>
-                  <a:schemeClr val="bg1"/>
-                </a:solidFill>
-              </a:rPr>
-              <a:t>Armazena os dados do banco de sangue juntamente com seus doadores</a:t>
-            </a:r>
-            <a:endParaRPr lang="pt-BR" sz="1400">
-              <a:solidFill>
-                <a:schemeClr val="bg1"/>
-              </a:solidFill>
-              <a:cs typeface="Calibri" panose="020F0502020204030204"/>
-            </a:endParaRPr>
-          </a:p>
-        </p:txBody>
-      </p:sp>
+      </p:pic>
     </p:spTree>
     <p:extLst>
       <p:ext uri="{BB962C8B-B14F-4D97-AF65-F5344CB8AC3E}">
-        <p14:creationId xmlns:p14="http://schemas.microsoft.com/office/powerpoint/2010/main" val="416413817"/>
+        <p14:creationId xmlns:p14="http://schemas.microsoft.com/office/powerpoint/2010/main" val="109857222"/>
       </p:ext>
     </p:extLst>
   </p:cSld>
@@ -4212,21 +3369,12 @@
 </file>
 
 <file path=customXml/item1.xml><?xml version="1.0" encoding="utf-8"?>
-<?mso-contentType ?>
-<FormTemplates xmlns="http://schemas.microsoft.com/sharepoint/v3/contenttype/forms">
-  <Display>DocumentLibraryForm</Display>
-  <Edit>DocumentLibraryForm</Edit>
-  <New>DocumentLibraryForm</New>
-</FormTemplates>
-</file>
-
-<file path=customXml/item2.xml><?xml version="1.0" encoding="utf-8"?>
 <p:properties xmlns:p="http://schemas.microsoft.com/office/2006/metadata/properties" xmlns:xsi="http://www.w3.org/2001/XMLSchema-instance" xmlns:pc="http://schemas.microsoft.com/office/infopath/2007/PartnerControls">
   <documentManagement/>
 </p:properties>
 </file>
 
-<file path=customXml/item3.xml><?xml version="1.0" encoding="utf-8"?>
+<file path=customXml/item2.xml><?xml version="1.0" encoding="utf-8"?>
 <ct:contentTypeSchema xmlns:ct="http://schemas.microsoft.com/office/2006/metadata/contentType" xmlns:ma="http://schemas.microsoft.com/office/2006/metadata/properties/metaAttributes" ct:_="" ma:_="" ma:contentTypeName="Document" ma:contentTypeID="0x01010037EB6548DE3D0B4FAB42E42BA2CC71F0" ma:contentTypeVersion="11" ma:contentTypeDescription="Create a new document." ma:contentTypeScope="" ma:versionID="600d5af200b187208d60c4c8f76d187b">
   <xsd:schema xmlns:xsd="http://www.w3.org/2001/XMLSchema" xmlns:xs="http://www.w3.org/2001/XMLSchema" xmlns:p="http://schemas.microsoft.com/office/2006/metadata/properties" xmlns:ns3="93aadb1b-f078-425f-a07f-e2cc4bed1fef" xmlns:ns4="fe025bb9-070a-4424-8929-b6cadbd5fdba" targetNamespace="http://schemas.microsoft.com/office/2006/metadata/properties" ma:root="true" ma:fieldsID="8fba56236f6461dba0d8860510fe65d7" ns3:_="" ns4:_="">
     <xsd:import namespace="93aadb1b-f078-425f-a07f-e2cc4bed1fef"/>
@@ -4437,15 +3585,16 @@
 </ct:contentTypeSchema>
 </file>
 
-<file path=customXml/itemProps1.xml><?xml version="1.0" encoding="utf-8"?>
-<ds:datastoreItem xmlns:ds="http://schemas.openxmlformats.org/officeDocument/2006/customXml" ds:itemID="{276A1665-EA1D-462E-9728-1E0C6794E895}">
-  <ds:schemaRefs>
-    <ds:schemaRef ds:uri="http://schemas.microsoft.com/sharepoint/v3/contenttype/forms"/>
-  </ds:schemaRefs>
-</ds:datastoreItem>
+<file path=customXml/item3.xml><?xml version="1.0" encoding="utf-8"?>
+<?mso-contentType ?>
+<FormTemplates xmlns="http://schemas.microsoft.com/sharepoint/v3/contenttype/forms">
+  <Display>DocumentLibraryForm</Display>
+  <Edit>DocumentLibraryForm</Edit>
+  <New>DocumentLibraryForm</New>
+</FormTemplates>
 </file>
 
-<file path=customXml/itemProps2.xml><?xml version="1.0" encoding="utf-8"?>
+<file path=customXml/itemProps1.xml><?xml version="1.0" encoding="utf-8"?>
 <ds:datastoreItem xmlns:ds="http://schemas.openxmlformats.org/officeDocument/2006/customXml" ds:itemID="{D9FB9450-938F-4F67-8244-AE56B2CBE379}">
   <ds:schemaRefs>
     <ds:schemaRef ds:uri="93aadb1b-f078-425f-a07f-e2cc4bed1fef"/>
@@ -4462,7 +3611,7 @@
 </ds:datastoreItem>
 </file>
 
-<file path=customXml/itemProps3.xml><?xml version="1.0" encoding="utf-8"?>
+<file path=customXml/itemProps2.xml><?xml version="1.0" encoding="utf-8"?>
 <ds:datastoreItem xmlns:ds="http://schemas.openxmlformats.org/officeDocument/2006/customXml" ds:itemID="{71705FB3-74A0-447B-88BF-4806BE3B3839}">
   <ds:schemaRefs>
     <ds:schemaRef ds:uri="93aadb1b-f078-425f-a07f-e2cc4bed1fef"/>
@@ -4479,4 +3628,12 @@
     <ds:schemaRef ds:uri="http://www.w3.org/2001/XMLSchema"/>
   </ds:schemaRefs>
 </ds:datastoreItem>
+</file>
+
+<file path=customXml/itemProps3.xml><?xml version="1.0" encoding="utf-8"?>
+<ds:datastoreItem xmlns:ds="http://schemas.openxmlformats.org/officeDocument/2006/customXml" ds:itemID="{276A1665-EA1D-462E-9728-1E0C6794E895}">
+  <ds:schemaRefs>
+    <ds:schemaRef ds:uri="http://schemas.microsoft.com/sharepoint/v3/contenttype/forms"/>
+  </ds:schemaRefs>
+</ds:datastoreItem>
 </file>